--- a/20231203_ISO 25010 の品質項目/313_JISX25010_図3.pptx
+++ b/20231203_ISO 25010 の品質項目/313_JISX25010_図3.pptx
@@ -259,7 +259,7 @@
           <a:p>
             <a:fld id="{13312C6C-FCB7-4CD7-A2AC-17A5E3D64DF4}" type="datetimeFigureOut">
               <a:rPr kumimoji="1" lang="ja-JP" altLang="en-US" smtClean="0"/>
-              <a:t>2023/12/3</a:t>
+              <a:t>2023/12/7</a:t>
             </a:fld>
             <a:endParaRPr kumimoji="1" lang="ja-JP" altLang="en-US"/>
           </a:p>
@@ -489,7 +489,7 @@
           <a:p>
             <a:fld id="{13312C6C-FCB7-4CD7-A2AC-17A5E3D64DF4}" type="datetimeFigureOut">
               <a:rPr kumimoji="1" lang="ja-JP" altLang="en-US" smtClean="0"/>
-              <a:t>2023/12/3</a:t>
+              <a:t>2023/12/7</a:t>
             </a:fld>
             <a:endParaRPr kumimoji="1" lang="ja-JP" altLang="en-US"/>
           </a:p>
@@ -729,7 +729,7 @@
           <a:p>
             <a:fld id="{13312C6C-FCB7-4CD7-A2AC-17A5E3D64DF4}" type="datetimeFigureOut">
               <a:rPr kumimoji="1" lang="ja-JP" altLang="en-US" smtClean="0"/>
-              <a:t>2023/12/3</a:t>
+              <a:t>2023/12/7</a:t>
             </a:fld>
             <a:endParaRPr kumimoji="1" lang="ja-JP" altLang="en-US"/>
           </a:p>
@@ -959,7 +959,7 @@
           <a:p>
             <a:fld id="{13312C6C-FCB7-4CD7-A2AC-17A5E3D64DF4}" type="datetimeFigureOut">
               <a:rPr kumimoji="1" lang="ja-JP" altLang="en-US" smtClean="0"/>
-              <a:t>2023/12/3</a:t>
+              <a:t>2023/12/7</a:t>
             </a:fld>
             <a:endParaRPr kumimoji="1" lang="ja-JP" altLang="en-US"/>
           </a:p>
@@ -1234,7 +1234,7 @@
           <a:p>
             <a:fld id="{13312C6C-FCB7-4CD7-A2AC-17A5E3D64DF4}" type="datetimeFigureOut">
               <a:rPr kumimoji="1" lang="ja-JP" altLang="en-US" smtClean="0"/>
-              <a:t>2023/12/3</a:t>
+              <a:t>2023/12/7</a:t>
             </a:fld>
             <a:endParaRPr kumimoji="1" lang="ja-JP" altLang="en-US"/>
           </a:p>
@@ -1563,7 +1563,7 @@
           <a:p>
             <a:fld id="{13312C6C-FCB7-4CD7-A2AC-17A5E3D64DF4}" type="datetimeFigureOut">
               <a:rPr kumimoji="1" lang="ja-JP" altLang="en-US" smtClean="0"/>
-              <a:t>2023/12/3</a:t>
+              <a:t>2023/12/7</a:t>
             </a:fld>
             <a:endParaRPr kumimoji="1" lang="ja-JP" altLang="en-US"/>
           </a:p>
@@ -2039,7 +2039,7 @@
           <a:p>
             <a:fld id="{13312C6C-FCB7-4CD7-A2AC-17A5E3D64DF4}" type="datetimeFigureOut">
               <a:rPr kumimoji="1" lang="ja-JP" altLang="en-US" smtClean="0"/>
-              <a:t>2023/12/3</a:t>
+              <a:t>2023/12/7</a:t>
             </a:fld>
             <a:endParaRPr kumimoji="1" lang="ja-JP" altLang="en-US"/>
           </a:p>
@@ -2180,7 +2180,7 @@
           <a:p>
             <a:fld id="{13312C6C-FCB7-4CD7-A2AC-17A5E3D64DF4}" type="datetimeFigureOut">
               <a:rPr kumimoji="1" lang="ja-JP" altLang="en-US" smtClean="0"/>
-              <a:t>2023/12/3</a:t>
+              <a:t>2023/12/7</a:t>
             </a:fld>
             <a:endParaRPr kumimoji="1" lang="ja-JP" altLang="en-US"/>
           </a:p>
@@ -2293,7 +2293,7 @@
           <a:p>
             <a:fld id="{13312C6C-FCB7-4CD7-A2AC-17A5E3D64DF4}" type="datetimeFigureOut">
               <a:rPr kumimoji="1" lang="ja-JP" altLang="en-US" smtClean="0"/>
-              <a:t>2023/12/3</a:t>
+              <a:t>2023/12/7</a:t>
             </a:fld>
             <a:endParaRPr kumimoji="1" lang="ja-JP" altLang="en-US"/>
           </a:p>
@@ -2636,7 +2636,7 @@
           <a:p>
             <a:fld id="{13312C6C-FCB7-4CD7-A2AC-17A5E3D64DF4}" type="datetimeFigureOut">
               <a:rPr kumimoji="1" lang="ja-JP" altLang="en-US" smtClean="0"/>
-              <a:t>2023/12/3</a:t>
+              <a:t>2023/12/7</a:t>
             </a:fld>
             <a:endParaRPr kumimoji="1" lang="ja-JP" altLang="en-US"/>
           </a:p>
@@ -2924,7 +2924,7 @@
           <a:p>
             <a:fld id="{13312C6C-FCB7-4CD7-A2AC-17A5E3D64DF4}" type="datetimeFigureOut">
               <a:rPr kumimoji="1" lang="ja-JP" altLang="en-US" smtClean="0"/>
-              <a:t>2023/12/3</a:t>
+              <a:t>2023/12/7</a:t>
             </a:fld>
             <a:endParaRPr kumimoji="1" lang="ja-JP" altLang="en-US"/>
           </a:p>
@@ -3197,7 +3197,7 @@
           <a:p>
             <a:fld id="{13312C6C-FCB7-4CD7-A2AC-17A5E3D64DF4}" type="datetimeFigureOut">
               <a:rPr kumimoji="1" lang="ja-JP" altLang="en-US" smtClean="0"/>
-              <a:t>2023/12/3</a:t>
+              <a:t>2023/12/7</a:t>
             </a:fld>
             <a:endParaRPr kumimoji="1" lang="ja-JP" altLang="en-US"/>
           </a:p>
@@ -3628,7 +3628,7 @@
         </p:nvSpPr>
         <p:spPr>
           <a:xfrm>
-            <a:off x="3593243" y="1854021"/>
+            <a:off x="4534538" y="1854021"/>
             <a:ext cx="1908000" cy="288000"/>
           </a:xfrm>
           <a:prstGeom prst="rect">
@@ -3691,7 +3691,7 @@
         </p:nvSpPr>
         <p:spPr>
           <a:xfrm>
-            <a:off x="873458" y="2577636"/>
+            <a:off x="1850613" y="2577636"/>
             <a:ext cx="900000" cy="288000"/>
           </a:xfrm>
           <a:prstGeom prst="rect">
@@ -3754,7 +3754,7 @@
         </p:nvSpPr>
         <p:spPr>
           <a:xfrm>
-            <a:off x="2772670" y="2577636"/>
+            <a:off x="3749825" y="2577636"/>
             <a:ext cx="900000" cy="288000"/>
           </a:xfrm>
           <a:prstGeom prst="rect">
@@ -3817,7 +3817,7 @@
         </p:nvSpPr>
         <p:spPr>
           <a:xfrm>
-            <a:off x="3717827" y="2577636"/>
+            <a:off x="4694982" y="2577636"/>
             <a:ext cx="1584000" cy="288000"/>
           </a:xfrm>
           <a:prstGeom prst="rect">
@@ -3887,7 +3887,7 @@
         </p:nvSpPr>
         <p:spPr>
           <a:xfrm>
-            <a:off x="5348716" y="2577636"/>
+            <a:off x="6325871" y="2577636"/>
             <a:ext cx="972000" cy="288000"/>
           </a:xfrm>
           <a:prstGeom prst="rect">
@@ -3950,7 +3950,7 @@
         </p:nvSpPr>
         <p:spPr>
           <a:xfrm>
-            <a:off x="1825402" y="2577636"/>
+            <a:off x="2802557" y="2577636"/>
             <a:ext cx="900000" cy="288000"/>
           </a:xfrm>
           <a:prstGeom prst="rect">
@@ -4013,7 +4013,7 @@
         </p:nvSpPr>
         <p:spPr>
           <a:xfrm>
-            <a:off x="873458" y="2857591"/>
+            <a:off x="1850613" y="2983101"/>
             <a:ext cx="900000" cy="1116000"/>
           </a:xfrm>
           <a:prstGeom prst="rect">
@@ -4123,7 +4123,7 @@
         </p:nvSpPr>
         <p:spPr>
           <a:xfrm>
-            <a:off x="2772670" y="2857591"/>
+            <a:off x="3749825" y="2983101"/>
             <a:ext cx="900000" cy="1116000"/>
           </a:xfrm>
           <a:prstGeom prst="rect">
@@ -4211,7 +4211,7 @@
         </p:nvSpPr>
         <p:spPr>
           <a:xfrm>
-            <a:off x="3717826" y="2857591"/>
+            <a:off x="4694981" y="2983101"/>
             <a:ext cx="1584000" cy="1116000"/>
           </a:xfrm>
           <a:prstGeom prst="rect">
@@ -4375,7 +4375,7 @@
         </p:nvSpPr>
         <p:spPr>
           <a:xfrm>
-            <a:off x="5348716" y="2857591"/>
+            <a:off x="6325871" y="2983101"/>
             <a:ext cx="972000" cy="1116000"/>
           </a:xfrm>
           <a:prstGeom prst="rect">
@@ -4513,7 +4513,7 @@
         </p:nvSpPr>
         <p:spPr>
           <a:xfrm>
-            <a:off x="1825402" y="2857591"/>
+            <a:off x="2802557" y="2983101"/>
             <a:ext cx="900000" cy="1116000"/>
           </a:xfrm>
           <a:prstGeom prst="rect">
@@ -4617,8 +4617,8 @@
         </p:nvCxnSpPr>
         <p:spPr>
           <a:xfrm rot="16200000" flipV="1">
-            <a:off x="4973173" y="1716092"/>
-            <a:ext cx="435615" cy="1287473"/>
+            <a:off x="5932398" y="1698162"/>
+            <a:ext cx="435615" cy="1323333"/>
           </a:xfrm>
           <a:prstGeom prst="bentConnector3">
             <a:avLst>
@@ -4664,8 +4664,8 @@
         </p:nvCxnSpPr>
         <p:spPr>
           <a:xfrm rot="5400000" flipH="1" flipV="1">
-            <a:off x="4310728" y="2341121"/>
-            <a:ext cx="435615" cy="37416"/>
+            <a:off x="5269953" y="2359051"/>
+            <a:ext cx="435615" cy="1556"/>
           </a:xfrm>
           <a:prstGeom prst="bentConnector3">
             <a:avLst>
@@ -4711,8 +4711,8 @@
         </p:nvCxnSpPr>
         <p:spPr>
           <a:xfrm rot="5400000" flipH="1" flipV="1">
-            <a:off x="3667149" y="1697543"/>
-            <a:ext cx="435615" cy="1324573"/>
+            <a:off x="4626374" y="1715473"/>
+            <a:ext cx="435615" cy="1288713"/>
           </a:xfrm>
           <a:prstGeom prst="bentConnector3">
             <a:avLst>
@@ -4758,8 +4758,8 @@
         </p:nvCxnSpPr>
         <p:spPr>
           <a:xfrm rot="5400000" flipH="1" flipV="1">
-            <a:off x="3193515" y="1223909"/>
-            <a:ext cx="435615" cy="2271841"/>
+            <a:off x="4152740" y="1241839"/>
+            <a:ext cx="435615" cy="2235981"/>
           </a:xfrm>
           <a:prstGeom prst="bentConnector3">
             <a:avLst>
@@ -4805,8 +4805,8 @@
         </p:nvCxnSpPr>
         <p:spPr>
           <a:xfrm rot="5400000" flipH="1" flipV="1">
-            <a:off x="2717543" y="747937"/>
-            <a:ext cx="435615" cy="3223785"/>
+            <a:off x="3676768" y="765867"/>
+            <a:ext cx="435615" cy="3187925"/>
           </a:xfrm>
           <a:prstGeom prst="bentConnector3">
             <a:avLst>
@@ -4848,7 +4848,7 @@
         </p:nvSpPr>
         <p:spPr>
           <a:xfrm>
-            <a:off x="6369578" y="2577636"/>
+            <a:off x="7346733" y="2577636"/>
             <a:ext cx="900000" cy="288000"/>
           </a:xfrm>
           <a:prstGeom prst="rect">
@@ -4911,7 +4911,7 @@
         </p:nvSpPr>
         <p:spPr>
           <a:xfrm>
-            <a:off x="8275567" y="2577636"/>
+            <a:off x="9252722" y="2577636"/>
             <a:ext cx="648000" cy="288000"/>
           </a:xfrm>
           <a:prstGeom prst="rect">
@@ -4974,7 +4974,7 @@
         </p:nvSpPr>
         <p:spPr>
           <a:xfrm>
-            <a:off x="7321607" y="2577636"/>
+            <a:off x="8298762" y="2577636"/>
             <a:ext cx="900000" cy="288000"/>
           </a:xfrm>
           <a:prstGeom prst="rect">
@@ -5037,7 +5037,7 @@
         </p:nvSpPr>
         <p:spPr>
           <a:xfrm>
-            <a:off x="6369578" y="2857591"/>
+            <a:off x="7346733" y="2983101"/>
             <a:ext cx="900000" cy="1116000"/>
           </a:xfrm>
           <a:prstGeom prst="rect">
@@ -5192,7 +5192,7 @@
         </p:nvSpPr>
         <p:spPr>
           <a:xfrm>
-            <a:off x="8275567" y="2857591"/>
+            <a:off x="9252722" y="2983101"/>
             <a:ext cx="648000" cy="1116000"/>
           </a:xfrm>
           <a:prstGeom prst="rect">
@@ -5299,7 +5299,7 @@
         </p:nvSpPr>
         <p:spPr>
           <a:xfrm>
-            <a:off x="7321607" y="2857591"/>
+            <a:off x="8298762" y="2983101"/>
             <a:ext cx="900000" cy="1116000"/>
           </a:xfrm>
           <a:prstGeom prst="rect">
@@ -5443,8 +5443,8 @@
         </p:nvCxnSpPr>
         <p:spPr>
           <a:xfrm rot="16200000" flipV="1">
-            <a:off x="5465604" y="1223661"/>
-            <a:ext cx="435615" cy="2272335"/>
+            <a:off x="6424829" y="1205731"/>
+            <a:ext cx="435615" cy="2308195"/>
           </a:xfrm>
           <a:prstGeom prst="bentConnector3">
             <a:avLst>
@@ -5490,8 +5490,8 @@
         </p:nvCxnSpPr>
         <p:spPr>
           <a:xfrm rot="16200000" flipV="1">
-            <a:off x="5941618" y="747647"/>
-            <a:ext cx="435615" cy="3224364"/>
+            <a:off x="6900843" y="729717"/>
+            <a:ext cx="435615" cy="3260224"/>
           </a:xfrm>
           <a:prstGeom prst="bentConnector3">
             <a:avLst>
@@ -5537,8 +5537,8 @@
         </p:nvCxnSpPr>
         <p:spPr>
           <a:xfrm rot="16200000" flipV="1">
-            <a:off x="6355598" y="333667"/>
-            <a:ext cx="435615" cy="4052324"/>
+            <a:off x="7314823" y="315737"/>
+            <a:ext cx="435615" cy="4088184"/>
           </a:xfrm>
           <a:prstGeom prst="bentConnector3">
             <a:avLst>
@@ -5662,6 +5662,567 @@
                 <a:ea typeface="Meiryo UI" panose="020B0604030504040204" pitchFamily="50" charset="-128"/>
               </a:rPr>
               <a:t>図４製品品質モデル</a:t>
+            </a:r>
+            <a:endParaRPr kumimoji="1" lang="ja-JP" altLang="en-US" sz="1000">
+              <a:latin typeface="Meiryo UI" panose="020B0604030504040204" pitchFamily="50" charset="-128"/>
+              <a:ea typeface="Meiryo UI" panose="020B0604030504040204" pitchFamily="50" charset="-128"/>
+            </a:endParaRPr>
+          </a:p>
+        </p:txBody>
+      </p:sp>
+      <p:sp>
+        <p:nvSpPr>
+          <p:cNvPr id="2" name="テキスト ボックス 1">
+            <a:extLst>
+              <a:ext uri="{FF2B5EF4-FFF2-40B4-BE49-F238E27FC236}">
+                <a16:creationId xmlns:a16="http://schemas.microsoft.com/office/drawing/2014/main" id="{A0B79870-B4EF-B64A-40CD-C45BFBC9A73E}"/>
+              </a:ext>
+            </a:extLst>
+          </p:cNvPr>
+          <p:cNvSpPr txBox="1"/>
+          <p:nvPr/>
+        </p:nvSpPr>
+        <p:spPr>
+          <a:xfrm>
+            <a:off x="3792209" y="1873505"/>
+            <a:ext cx="745717" cy="246221"/>
+          </a:xfrm>
+          <a:prstGeom prst="rect">
+            <a:avLst/>
+          </a:prstGeom>
+          <a:noFill/>
+        </p:spPr>
+        <p:txBody>
+          <a:bodyPr wrap="none" rtlCol="0">
+            <a:spAutoFit/>
+          </a:bodyPr>
+          <a:lstStyle/>
+          <a:p>
+            <a:r>
+              <a:rPr kumimoji="1" lang="ja-JP" altLang="en-US" sz="1000">
+                <a:latin typeface="Meiryo UI" panose="020B0604030504040204" pitchFamily="50" charset="-128"/>
+                <a:ea typeface="Meiryo UI" panose="020B0604030504040204" pitchFamily="50" charset="-128"/>
+              </a:rPr>
+              <a:t>品質モデル</a:t>
+            </a:r>
+          </a:p>
+        </p:txBody>
+      </p:sp>
+      <p:sp>
+        <p:nvSpPr>
+          <p:cNvPr id="3" name="テキスト ボックス 2">
+            <a:extLst>
+              <a:ext uri="{FF2B5EF4-FFF2-40B4-BE49-F238E27FC236}">
+                <a16:creationId xmlns:a16="http://schemas.microsoft.com/office/drawing/2014/main" id="{495EA4C5-FE23-DAC0-91A9-F034B7F6F141}"/>
+              </a:ext>
+            </a:extLst>
+          </p:cNvPr>
+          <p:cNvSpPr txBox="1"/>
+          <p:nvPr/>
+        </p:nvSpPr>
+        <p:spPr>
+          <a:xfrm>
+            <a:off x="1131773" y="2585952"/>
+            <a:ext cx="697627" cy="246221"/>
+          </a:xfrm>
+          <a:prstGeom prst="rect">
+            <a:avLst/>
+          </a:prstGeom>
+          <a:noFill/>
+        </p:spPr>
+        <p:txBody>
+          <a:bodyPr wrap="none" rtlCol="0">
+            <a:spAutoFit/>
+          </a:bodyPr>
+          <a:lstStyle/>
+          <a:p>
+            <a:pPr algn="ctr"/>
+            <a:r>
+              <a:rPr kumimoji="1" lang="ja-JP" altLang="en-US" sz="1000">
+                <a:latin typeface="Meiryo UI" panose="020B0604030504040204" pitchFamily="50" charset="-128"/>
+                <a:ea typeface="Meiryo UI" panose="020B0604030504040204" pitchFamily="50" charset="-128"/>
+              </a:rPr>
+              <a:t>品質特性</a:t>
+            </a:r>
+          </a:p>
+        </p:txBody>
+      </p:sp>
+      <p:sp>
+        <p:nvSpPr>
+          <p:cNvPr id="4" name="テキスト ボックス 3">
+            <a:extLst>
+              <a:ext uri="{FF2B5EF4-FFF2-40B4-BE49-F238E27FC236}">
+                <a16:creationId xmlns:a16="http://schemas.microsoft.com/office/drawing/2014/main" id="{ED7989A2-9B92-3E38-9449-AF2E5534949B}"/>
+              </a:ext>
+            </a:extLst>
+          </p:cNvPr>
+          <p:cNvSpPr txBox="1"/>
+          <p:nvPr/>
+        </p:nvSpPr>
+        <p:spPr>
+          <a:xfrm>
+            <a:off x="1195892" y="3010204"/>
+            <a:ext cx="569387" cy="246221"/>
+          </a:xfrm>
+          <a:prstGeom prst="rect">
+            <a:avLst/>
+          </a:prstGeom>
+          <a:noFill/>
+        </p:spPr>
+        <p:txBody>
+          <a:bodyPr wrap="none" rtlCol="0">
+            <a:spAutoFit/>
+          </a:bodyPr>
+          <a:lstStyle/>
+          <a:p>
+            <a:pPr algn="ctr"/>
+            <a:r>
+              <a:rPr kumimoji="1" lang="ja-JP" altLang="en-US" sz="1000">
+                <a:latin typeface="Meiryo UI" panose="020B0604030504040204" pitchFamily="50" charset="-128"/>
+                <a:ea typeface="Meiryo UI" panose="020B0604030504040204" pitchFamily="50" charset="-128"/>
+              </a:rPr>
+              <a:t>副特性</a:t>
+            </a:r>
+          </a:p>
+        </p:txBody>
+      </p:sp>
+      <p:cxnSp>
+        <p:nvCxnSpPr>
+          <p:cNvPr id="5" name="直線コネクタ 19">
+            <a:extLst>
+              <a:ext uri="{FF2B5EF4-FFF2-40B4-BE49-F238E27FC236}">
+                <a16:creationId xmlns:a16="http://schemas.microsoft.com/office/drawing/2014/main" id="{03090A3F-97A8-856B-6C6E-B9113B2DF2E3}"/>
+              </a:ext>
+            </a:extLst>
+          </p:cNvPr>
+          <p:cNvCxnSpPr>
+            <a:cxnSpLocks/>
+            <a:stCxn id="55" idx="0"/>
+            <a:endCxn id="52" idx="2"/>
+          </p:cNvCxnSpPr>
+          <p:nvPr/>
+        </p:nvCxnSpPr>
+        <p:spPr>
+          <a:xfrm flipV="1">
+            <a:off x="8748762" y="2865635"/>
+            <a:ext cx="0" cy="108000"/>
+          </a:xfrm>
+          <a:prstGeom prst="straightConnector1">
+            <a:avLst/>
+          </a:prstGeom>
+          <a:ln>
+            <a:solidFill>
+              <a:schemeClr val="tx1"/>
+            </a:solidFill>
+          </a:ln>
+        </p:spPr>
+        <p:style>
+          <a:lnRef idx="2">
+            <a:schemeClr val="dk1"/>
+          </a:lnRef>
+          <a:fillRef idx="0">
+            <a:schemeClr val="dk1"/>
+          </a:fillRef>
+          <a:effectRef idx="1">
+            <a:schemeClr val="dk1"/>
+          </a:effectRef>
+          <a:fontRef idx="minor">
+            <a:schemeClr val="tx1"/>
+          </a:fontRef>
+        </p:style>
+      </p:cxnSp>
+      <p:cxnSp>
+        <p:nvCxnSpPr>
+          <p:cNvPr id="8" name="直線コネクタ 19">
+            <a:extLst>
+              <a:ext uri="{FF2B5EF4-FFF2-40B4-BE49-F238E27FC236}">
+                <a16:creationId xmlns:a16="http://schemas.microsoft.com/office/drawing/2014/main" id="{43F0125D-AA01-4B3A-72B8-70D26CE00988}"/>
+              </a:ext>
+            </a:extLst>
+          </p:cNvPr>
+          <p:cNvCxnSpPr>
+            <a:cxnSpLocks/>
+            <a:stCxn id="42" idx="0"/>
+            <a:endCxn id="37" idx="2"/>
+          </p:cNvCxnSpPr>
+          <p:nvPr/>
+        </p:nvCxnSpPr>
+        <p:spPr>
+          <a:xfrm flipV="1">
+            <a:off x="5486980" y="2865635"/>
+            <a:ext cx="0" cy="108000"/>
+          </a:xfrm>
+          <a:prstGeom prst="straightConnector1">
+            <a:avLst/>
+          </a:prstGeom>
+          <a:ln>
+            <a:solidFill>
+              <a:schemeClr val="tx1"/>
+            </a:solidFill>
+          </a:ln>
+        </p:spPr>
+        <p:style>
+          <a:lnRef idx="2">
+            <a:schemeClr val="dk1"/>
+          </a:lnRef>
+          <a:fillRef idx="0">
+            <a:schemeClr val="dk1"/>
+          </a:fillRef>
+          <a:effectRef idx="1">
+            <a:schemeClr val="dk1"/>
+          </a:effectRef>
+          <a:fontRef idx="minor">
+            <a:schemeClr val="tx1"/>
+          </a:fontRef>
+        </p:style>
+      </p:cxnSp>
+      <p:cxnSp>
+        <p:nvCxnSpPr>
+          <p:cNvPr id="9" name="直線コネクタ 19">
+            <a:extLst>
+              <a:ext uri="{FF2B5EF4-FFF2-40B4-BE49-F238E27FC236}">
+                <a16:creationId xmlns:a16="http://schemas.microsoft.com/office/drawing/2014/main" id="{441435D3-D136-05FC-1242-33A63DB94179}"/>
+              </a:ext>
+            </a:extLst>
+          </p:cNvPr>
+          <p:cNvCxnSpPr>
+            <a:cxnSpLocks/>
+            <a:stCxn id="43" idx="0"/>
+            <a:endCxn id="38" idx="2"/>
+          </p:cNvCxnSpPr>
+          <p:nvPr/>
+        </p:nvCxnSpPr>
+        <p:spPr>
+          <a:xfrm flipV="1">
+            <a:off x="6811871" y="2865635"/>
+            <a:ext cx="0" cy="108000"/>
+          </a:xfrm>
+          <a:prstGeom prst="straightConnector1">
+            <a:avLst/>
+          </a:prstGeom>
+          <a:ln>
+            <a:solidFill>
+              <a:schemeClr val="tx1"/>
+            </a:solidFill>
+          </a:ln>
+        </p:spPr>
+        <p:style>
+          <a:lnRef idx="2">
+            <a:schemeClr val="dk1"/>
+          </a:lnRef>
+          <a:fillRef idx="0">
+            <a:schemeClr val="dk1"/>
+          </a:fillRef>
+          <a:effectRef idx="1">
+            <a:schemeClr val="dk1"/>
+          </a:effectRef>
+          <a:fontRef idx="minor">
+            <a:schemeClr val="tx1"/>
+          </a:fontRef>
+        </p:style>
+      </p:cxnSp>
+      <p:cxnSp>
+        <p:nvCxnSpPr>
+          <p:cNvPr id="10" name="直線コネクタ 19">
+            <a:extLst>
+              <a:ext uri="{FF2B5EF4-FFF2-40B4-BE49-F238E27FC236}">
+                <a16:creationId xmlns:a16="http://schemas.microsoft.com/office/drawing/2014/main" id="{B206EAF1-93F6-556F-3F66-6D8E425D30FE}"/>
+              </a:ext>
+            </a:extLst>
+          </p:cNvPr>
+          <p:cNvCxnSpPr>
+            <a:cxnSpLocks/>
+            <a:stCxn id="44" idx="0"/>
+            <a:endCxn id="39" idx="2"/>
+          </p:cNvCxnSpPr>
+          <p:nvPr/>
+        </p:nvCxnSpPr>
+        <p:spPr>
+          <a:xfrm flipV="1">
+            <a:off x="3252557" y="2865635"/>
+            <a:ext cx="0" cy="108000"/>
+          </a:xfrm>
+          <a:prstGeom prst="straightConnector1">
+            <a:avLst/>
+          </a:prstGeom>
+          <a:ln>
+            <a:solidFill>
+              <a:schemeClr val="tx1"/>
+            </a:solidFill>
+          </a:ln>
+        </p:spPr>
+        <p:style>
+          <a:lnRef idx="2">
+            <a:schemeClr val="dk1"/>
+          </a:lnRef>
+          <a:fillRef idx="0">
+            <a:schemeClr val="dk1"/>
+          </a:fillRef>
+          <a:effectRef idx="1">
+            <a:schemeClr val="dk1"/>
+          </a:effectRef>
+          <a:fontRef idx="minor">
+            <a:schemeClr val="tx1"/>
+          </a:fontRef>
+        </p:style>
+      </p:cxnSp>
+      <p:cxnSp>
+        <p:nvCxnSpPr>
+          <p:cNvPr id="11" name="直線コネクタ 19">
+            <a:extLst>
+              <a:ext uri="{FF2B5EF4-FFF2-40B4-BE49-F238E27FC236}">
+                <a16:creationId xmlns:a16="http://schemas.microsoft.com/office/drawing/2014/main" id="{CBAC7C2D-1B65-7753-AD84-344AF054F5D7}"/>
+              </a:ext>
+            </a:extLst>
+          </p:cNvPr>
+          <p:cNvCxnSpPr>
+            <a:cxnSpLocks/>
+            <a:stCxn id="41" idx="0"/>
+            <a:endCxn id="36" idx="2"/>
+          </p:cNvCxnSpPr>
+          <p:nvPr/>
+        </p:nvCxnSpPr>
+        <p:spPr>
+          <a:xfrm flipV="1">
+            <a:off x="4199825" y="2865635"/>
+            <a:ext cx="0" cy="108000"/>
+          </a:xfrm>
+          <a:prstGeom prst="straightConnector1">
+            <a:avLst/>
+          </a:prstGeom>
+          <a:ln>
+            <a:solidFill>
+              <a:schemeClr val="tx1"/>
+            </a:solidFill>
+          </a:ln>
+        </p:spPr>
+        <p:style>
+          <a:lnRef idx="2">
+            <a:schemeClr val="dk1"/>
+          </a:lnRef>
+          <a:fillRef idx="0">
+            <a:schemeClr val="dk1"/>
+          </a:fillRef>
+          <a:effectRef idx="1">
+            <a:schemeClr val="dk1"/>
+          </a:effectRef>
+          <a:fontRef idx="minor">
+            <a:schemeClr val="tx1"/>
+          </a:fontRef>
+        </p:style>
+      </p:cxnSp>
+      <p:cxnSp>
+        <p:nvCxnSpPr>
+          <p:cNvPr id="12" name="直線コネクタ 19">
+            <a:extLst>
+              <a:ext uri="{FF2B5EF4-FFF2-40B4-BE49-F238E27FC236}">
+                <a16:creationId xmlns:a16="http://schemas.microsoft.com/office/drawing/2014/main" id="{EFC0B78D-DB72-CEFA-52E4-B4B6F5F340FA}"/>
+              </a:ext>
+            </a:extLst>
+          </p:cNvPr>
+          <p:cNvCxnSpPr>
+            <a:cxnSpLocks/>
+            <a:stCxn id="53" idx="0"/>
+            <a:endCxn id="50" idx="2"/>
+          </p:cNvCxnSpPr>
+          <p:nvPr/>
+        </p:nvCxnSpPr>
+        <p:spPr>
+          <a:xfrm flipV="1">
+            <a:off x="7796733" y="2865635"/>
+            <a:ext cx="0" cy="108000"/>
+          </a:xfrm>
+          <a:prstGeom prst="straightConnector1">
+            <a:avLst/>
+          </a:prstGeom>
+          <a:ln>
+            <a:solidFill>
+              <a:schemeClr val="tx1"/>
+            </a:solidFill>
+          </a:ln>
+        </p:spPr>
+        <p:style>
+          <a:lnRef idx="2">
+            <a:schemeClr val="dk1"/>
+          </a:lnRef>
+          <a:fillRef idx="0">
+            <a:schemeClr val="dk1"/>
+          </a:fillRef>
+          <a:effectRef idx="1">
+            <a:schemeClr val="dk1"/>
+          </a:effectRef>
+          <a:fontRef idx="minor">
+            <a:schemeClr val="tx1"/>
+          </a:fontRef>
+        </p:style>
+      </p:cxnSp>
+      <p:cxnSp>
+        <p:nvCxnSpPr>
+          <p:cNvPr id="13" name="直線コネクタ 19">
+            <a:extLst>
+              <a:ext uri="{FF2B5EF4-FFF2-40B4-BE49-F238E27FC236}">
+                <a16:creationId xmlns:a16="http://schemas.microsoft.com/office/drawing/2014/main" id="{2B448471-A424-2DA6-FCE7-23BCD4E04171}"/>
+              </a:ext>
+            </a:extLst>
+          </p:cNvPr>
+          <p:cNvCxnSpPr>
+            <a:cxnSpLocks/>
+            <a:stCxn id="54" idx="0"/>
+            <a:endCxn id="51" idx="2"/>
+          </p:cNvCxnSpPr>
+          <p:nvPr/>
+        </p:nvCxnSpPr>
+        <p:spPr>
+          <a:xfrm flipV="1">
+            <a:off x="9576722" y="2865635"/>
+            <a:ext cx="0" cy="108000"/>
+          </a:xfrm>
+          <a:prstGeom prst="straightConnector1">
+            <a:avLst/>
+          </a:prstGeom>
+          <a:ln>
+            <a:solidFill>
+              <a:schemeClr val="tx1"/>
+            </a:solidFill>
+          </a:ln>
+        </p:spPr>
+        <p:style>
+          <a:lnRef idx="2">
+            <a:schemeClr val="dk1"/>
+          </a:lnRef>
+          <a:fillRef idx="0">
+            <a:schemeClr val="dk1"/>
+          </a:fillRef>
+          <a:effectRef idx="1">
+            <a:schemeClr val="dk1"/>
+          </a:effectRef>
+          <a:fontRef idx="minor">
+            <a:schemeClr val="tx1"/>
+          </a:fontRef>
+        </p:style>
+      </p:cxnSp>
+      <p:cxnSp>
+        <p:nvCxnSpPr>
+          <p:cNvPr id="26" name="直線コネクタ 19">
+            <a:extLst>
+              <a:ext uri="{FF2B5EF4-FFF2-40B4-BE49-F238E27FC236}">
+                <a16:creationId xmlns:a16="http://schemas.microsoft.com/office/drawing/2014/main" id="{881CEBA9-2BE5-CB5D-BF6A-811652D8685A}"/>
+              </a:ext>
+            </a:extLst>
+          </p:cNvPr>
+          <p:cNvCxnSpPr>
+            <a:cxnSpLocks/>
+            <a:stCxn id="40" idx="0"/>
+            <a:endCxn id="35" idx="2"/>
+          </p:cNvCxnSpPr>
+          <p:nvPr/>
+        </p:nvCxnSpPr>
+        <p:spPr>
+          <a:xfrm flipV="1">
+            <a:off x="2300613" y="2865635"/>
+            <a:ext cx="0" cy="108000"/>
+          </a:xfrm>
+          <a:prstGeom prst="straightConnector1">
+            <a:avLst/>
+          </a:prstGeom>
+          <a:ln>
+            <a:solidFill>
+              <a:schemeClr val="tx1"/>
+            </a:solidFill>
+          </a:ln>
+        </p:spPr>
+        <p:style>
+          <a:lnRef idx="2">
+            <a:schemeClr val="dk1"/>
+          </a:lnRef>
+          <a:fillRef idx="0">
+            <a:schemeClr val="dk1"/>
+          </a:fillRef>
+          <a:effectRef idx="1">
+            <a:schemeClr val="dk1"/>
+          </a:effectRef>
+          <a:fontRef idx="minor">
+            <a:schemeClr val="tx1"/>
+          </a:fontRef>
+        </p:style>
+      </p:cxnSp>
+      <p:sp>
+        <p:nvSpPr>
+          <p:cNvPr id="29" name="テキスト ボックス 28">
+            <a:extLst>
+              <a:ext uri="{FF2B5EF4-FFF2-40B4-BE49-F238E27FC236}">
+                <a16:creationId xmlns:a16="http://schemas.microsoft.com/office/drawing/2014/main" id="{80B643CE-9C6A-B83F-6081-64F8B960122B}"/>
+              </a:ext>
+            </a:extLst>
+          </p:cNvPr>
+          <p:cNvSpPr txBox="1"/>
+          <p:nvPr/>
+        </p:nvSpPr>
+        <p:spPr>
+          <a:xfrm>
+            <a:off x="5518297" y="4102266"/>
+            <a:ext cx="4378123" cy="246221"/>
+          </a:xfrm>
+          <a:prstGeom prst="rect">
+            <a:avLst/>
+          </a:prstGeom>
+          <a:noFill/>
+        </p:spPr>
+        <p:txBody>
+          <a:bodyPr wrap="none" rtlCol="0">
+            <a:spAutoFit/>
+          </a:bodyPr>
+          <a:lstStyle/>
+          <a:p>
+            <a:pPr algn="r"/>
+            <a:r>
+              <a:rPr kumimoji="1" lang="ja-JP" altLang="en-US" sz="1000">
+                <a:latin typeface="Meiryo UI" panose="020B0604030504040204" pitchFamily="50" charset="-128"/>
+                <a:ea typeface="Meiryo UI" panose="020B0604030504040204" pitchFamily="50" charset="-128"/>
+              </a:rPr>
+              <a:t>「</a:t>
+            </a:r>
+            <a:r>
+              <a:rPr kumimoji="1" lang="en-US" altLang="ja-JP" sz="1000">
+                <a:latin typeface="Meiryo UI" panose="020B0604030504040204" pitchFamily="50" charset="-128"/>
+                <a:ea typeface="Meiryo UI" panose="020B0604030504040204" pitchFamily="50" charset="-128"/>
+              </a:rPr>
+              <a:t>JIS X 25010:2013 (ISO/IEC 25010</a:t>
+            </a:r>
+            <a:r>
+              <a:rPr kumimoji="1" lang="ja-JP" altLang="en-US" sz="1000">
+                <a:latin typeface="Meiryo UI" panose="020B0604030504040204" pitchFamily="50" charset="-128"/>
+                <a:ea typeface="Meiryo UI" panose="020B0604030504040204" pitchFamily="50" charset="-128"/>
+              </a:rPr>
+              <a:t>：</a:t>
+            </a:r>
+            <a:r>
+              <a:rPr kumimoji="1" lang="en-US" altLang="ja-JP" sz="1000">
+                <a:latin typeface="Meiryo UI" panose="020B0604030504040204" pitchFamily="50" charset="-128"/>
+                <a:ea typeface="Meiryo UI" panose="020B0604030504040204" pitchFamily="50" charset="-128"/>
+              </a:rPr>
+              <a:t>2011)</a:t>
+            </a:r>
+            <a:r>
+              <a:rPr kumimoji="1" lang="ja-JP" altLang="en-US" sz="1000">
+                <a:latin typeface="Meiryo UI" panose="020B0604030504040204" pitchFamily="50" charset="-128"/>
+                <a:ea typeface="Meiryo UI" panose="020B0604030504040204" pitchFamily="50" charset="-128"/>
+              </a:rPr>
+              <a:t>　</a:t>
+            </a:r>
+            <a:r>
+              <a:rPr lang="en-US" altLang="ja-JP" sz="1000">
+                <a:latin typeface="Meiryo UI" panose="020B0604030504040204" pitchFamily="50" charset="-128"/>
+                <a:ea typeface="Meiryo UI" panose="020B0604030504040204" pitchFamily="50" charset="-128"/>
+              </a:rPr>
+              <a:t>3.3 </a:t>
+            </a:r>
+            <a:r>
+              <a:rPr lang="ja-JP" altLang="en-US" sz="1000">
+                <a:latin typeface="Meiryo UI" panose="020B0604030504040204" pitchFamily="50" charset="-128"/>
+                <a:ea typeface="Meiryo UI" panose="020B0604030504040204" pitchFamily="50" charset="-128"/>
+              </a:rPr>
+              <a:t>製品品質モデル」より </a:t>
             </a:r>
             <a:endParaRPr kumimoji="1" lang="ja-JP" altLang="en-US" sz="1000">
               <a:latin typeface="Meiryo UI" panose="020B0604030504040204" pitchFamily="50" charset="-128"/>
